--- a/Quem nos governa.pptx
+++ b/Quem nos governa.pptx
@@ -22,7 +22,6 @@
     <p:sldId id="272" r:id="rId16"/>
     <p:sldId id="267" r:id="rId17"/>
     <p:sldId id="270" r:id="rId18"/>
-    <p:sldId id="271" r:id="rId19"/>
   </p:sldIdLst>
   <p:sldSz cx="12192000" cy="6858000"/>
   <p:notesSz cx="6858000" cy="9144000"/>
@@ -121,7 +120,64 @@
       </a:defRPr>
     </a:lvl9pPr>
   </p:defaultTextStyle>
+  <p:extLst>
+    <p:ext uri="{EFAFB233-063F-42B5-8137-9DF3F51BA10A}">
+      <p15:sldGuideLst xmlns:p15="http://schemas.microsoft.com/office/powerpoint/2012/main"/>
+    </p:ext>
+  </p:extLst>
 </p:presentation>
+</file>
+
+<file path=ppt/changesInfos/changesInfo1.xml><?xml version="1.0" encoding="utf-8"?>
+<pc:chgInfo xmlns:a="http://schemas.openxmlformats.org/drawingml/2006/main" xmlns:r="http://schemas.openxmlformats.org/officeDocument/2006/relationships" xmlns:ac="http://schemas.microsoft.com/office/drawing/2013/main/command" xmlns:pc="http://schemas.microsoft.com/office/powerpoint/2013/main/command">
+  <pc:docChgLst>
+    <pc:chgData name="Manoel Neco" userId="1f9b2a0f60f4f340" providerId="LiveId" clId="{13AE6CCC-AE90-45DF-9181-57C1C95249B3}"/>
+    <pc:docChg chg="custSel delSld modSld">
+      <pc:chgData name="Manoel Neco" userId="1f9b2a0f60f4f340" providerId="LiveId" clId="{13AE6CCC-AE90-45DF-9181-57C1C95249B3}" dt="2022-06-15T21:52:34.984" v="26" actId="47"/>
+      <pc:docMkLst>
+        <pc:docMk/>
+      </pc:docMkLst>
+      <pc:sldChg chg="addSp delSp modSp mod modClrScheme chgLayout">
+        <pc:chgData name="Manoel Neco" userId="1f9b2a0f60f4f340" providerId="LiveId" clId="{13AE6CCC-AE90-45DF-9181-57C1C95249B3}" dt="2022-06-15T21:52:33.655" v="25" actId="1076"/>
+        <pc:sldMkLst>
+          <pc:docMk/>
+          <pc:sldMk cId="363097398" sldId="270"/>
+        </pc:sldMkLst>
+        <pc:spChg chg="del mod ord">
+          <ac:chgData name="Manoel Neco" userId="1f9b2a0f60f4f340" providerId="LiveId" clId="{13AE6CCC-AE90-45DF-9181-57C1C95249B3}" dt="2022-06-15T21:52:28.521" v="23" actId="700"/>
+          <ac:spMkLst>
+            <pc:docMk/>
+            <pc:sldMk cId="363097398" sldId="270"/>
+            <ac:spMk id="2" creationId="{795E44C5-E647-2A33-BE81-E39B6D749406}"/>
+          </ac:spMkLst>
+        </pc:spChg>
+        <pc:spChg chg="mod ord">
+          <ac:chgData name="Manoel Neco" userId="1f9b2a0f60f4f340" providerId="LiveId" clId="{13AE6CCC-AE90-45DF-9181-57C1C95249B3}" dt="2022-06-15T21:52:33.655" v="25" actId="1076"/>
+          <ac:spMkLst>
+            <pc:docMk/>
+            <pc:sldMk cId="363097398" sldId="270"/>
+            <ac:spMk id="3" creationId="{634725A5-C9FF-44E1-3B45-A97CA6C4F464}"/>
+          </ac:spMkLst>
+        </pc:spChg>
+        <pc:spChg chg="add del mod ord">
+          <ac:chgData name="Manoel Neco" userId="1f9b2a0f60f4f340" providerId="LiveId" clId="{13AE6CCC-AE90-45DF-9181-57C1C95249B3}" dt="2022-06-15T21:52:31.213" v="24" actId="478"/>
+          <ac:spMkLst>
+            <pc:docMk/>
+            <pc:sldMk cId="363097398" sldId="270"/>
+            <ac:spMk id="4" creationId="{473A0BC2-6AE8-654E-2576-008726D30D29}"/>
+          </ac:spMkLst>
+        </pc:spChg>
+      </pc:sldChg>
+      <pc:sldChg chg="del">
+        <pc:chgData name="Manoel Neco" userId="1f9b2a0f60f4f340" providerId="LiveId" clId="{13AE6CCC-AE90-45DF-9181-57C1C95249B3}" dt="2022-06-15T21:52:34.984" v="26" actId="47"/>
+        <pc:sldMkLst>
+          <pc:docMk/>
+          <pc:sldMk cId="2592820986" sldId="271"/>
+        </pc:sldMkLst>
+      </pc:sldChg>
+    </pc:docChg>
+  </pc:docChgLst>
+</pc:chgInfo>
 </file>
 
 <file path=ppt/slideLayouts/slideLayout1.xml><?xml version="1.0" encoding="utf-8"?>
@@ -271,7 +327,7 @@
           <a:p>
             <a:fld id="{9BE4830C-F7F9-4697-927C-92B938C537B8}" type="datetimeFigureOut">
               <a:rPr lang="pt-BR" smtClean="0"/>
-              <a:t>14/06/2022</a:t>
+              <a:t>15/06/2022</a:t>
             </a:fld>
             <a:endParaRPr lang="pt-BR"/>
           </a:p>
@@ -469,7 +525,7 @@
           <a:p>
             <a:fld id="{9BE4830C-F7F9-4697-927C-92B938C537B8}" type="datetimeFigureOut">
               <a:rPr lang="pt-BR" smtClean="0"/>
-              <a:t>14/06/2022</a:t>
+              <a:t>15/06/2022</a:t>
             </a:fld>
             <a:endParaRPr lang="pt-BR"/>
           </a:p>
@@ -677,7 +733,7 @@
           <a:p>
             <a:fld id="{9BE4830C-F7F9-4697-927C-92B938C537B8}" type="datetimeFigureOut">
               <a:rPr lang="pt-BR" smtClean="0"/>
-              <a:t>14/06/2022</a:t>
+              <a:t>15/06/2022</a:t>
             </a:fld>
             <a:endParaRPr lang="pt-BR"/>
           </a:p>
@@ -875,7 +931,7 @@
           <a:p>
             <a:fld id="{9BE4830C-F7F9-4697-927C-92B938C537B8}" type="datetimeFigureOut">
               <a:rPr lang="pt-BR" smtClean="0"/>
-              <a:t>14/06/2022</a:t>
+              <a:t>15/06/2022</a:t>
             </a:fld>
             <a:endParaRPr lang="pt-BR"/>
           </a:p>
@@ -1150,7 +1206,7 @@
           <a:p>
             <a:fld id="{9BE4830C-F7F9-4697-927C-92B938C537B8}" type="datetimeFigureOut">
               <a:rPr lang="pt-BR" smtClean="0"/>
-              <a:t>14/06/2022</a:t>
+              <a:t>15/06/2022</a:t>
             </a:fld>
             <a:endParaRPr lang="pt-BR"/>
           </a:p>
@@ -1415,7 +1471,7 @@
           <a:p>
             <a:fld id="{9BE4830C-F7F9-4697-927C-92B938C537B8}" type="datetimeFigureOut">
               <a:rPr lang="pt-BR" smtClean="0"/>
-              <a:t>14/06/2022</a:t>
+              <a:t>15/06/2022</a:t>
             </a:fld>
             <a:endParaRPr lang="pt-BR"/>
           </a:p>
@@ -1827,7 +1883,7 @@
           <a:p>
             <a:fld id="{9BE4830C-F7F9-4697-927C-92B938C537B8}" type="datetimeFigureOut">
               <a:rPr lang="pt-BR" smtClean="0"/>
-              <a:t>14/06/2022</a:t>
+              <a:t>15/06/2022</a:t>
             </a:fld>
             <a:endParaRPr lang="pt-BR"/>
           </a:p>
@@ -1968,7 +2024,7 @@
           <a:p>
             <a:fld id="{9BE4830C-F7F9-4697-927C-92B938C537B8}" type="datetimeFigureOut">
               <a:rPr lang="pt-BR" smtClean="0"/>
-              <a:t>14/06/2022</a:t>
+              <a:t>15/06/2022</a:t>
             </a:fld>
             <a:endParaRPr lang="pt-BR"/>
           </a:p>
@@ -2081,7 +2137,7 @@
           <a:p>
             <a:fld id="{9BE4830C-F7F9-4697-927C-92B938C537B8}" type="datetimeFigureOut">
               <a:rPr lang="pt-BR" smtClean="0"/>
-              <a:t>14/06/2022</a:t>
+              <a:t>15/06/2022</a:t>
             </a:fld>
             <a:endParaRPr lang="pt-BR"/>
           </a:p>
@@ -2392,7 +2448,7 @@
           <a:p>
             <a:fld id="{9BE4830C-F7F9-4697-927C-92B938C537B8}" type="datetimeFigureOut">
               <a:rPr lang="pt-BR" smtClean="0"/>
-              <a:t>14/06/2022</a:t>
+              <a:t>15/06/2022</a:t>
             </a:fld>
             <a:endParaRPr lang="pt-BR"/>
           </a:p>
@@ -2680,7 +2736,7 @@
           <a:p>
             <a:fld id="{9BE4830C-F7F9-4697-927C-92B938C537B8}" type="datetimeFigureOut">
               <a:rPr lang="pt-BR" smtClean="0"/>
-              <a:t>14/06/2022</a:t>
+              <a:t>15/06/2022</a:t>
             </a:fld>
             <a:endParaRPr lang="pt-BR"/>
           </a:p>
@@ -2921,7 +2977,7 @@
           <a:p>
             <a:fld id="{9BE4830C-F7F9-4697-927C-92B938C537B8}" type="datetimeFigureOut">
               <a:rPr lang="pt-BR" smtClean="0"/>
-              <a:t>14/06/2022</a:t>
+              <a:t>15/06/2022</a:t>
             </a:fld>
             <a:endParaRPr lang="pt-BR"/>
           </a:p>
@@ -4095,32 +4151,6 @@
       </p:grpSpPr>
       <p:sp>
         <p:nvSpPr>
-          <p:cNvPr id="2" name="Título 1">
-            <a:extLst>
-              <a:ext uri="{FF2B5EF4-FFF2-40B4-BE49-F238E27FC236}">
-                <a16:creationId xmlns:a16="http://schemas.microsoft.com/office/drawing/2014/main" id="{795E44C5-E647-2A33-BE81-E39B6D749406}"/>
-              </a:ext>
-            </a:extLst>
-          </p:cNvPr>
-          <p:cNvSpPr>
-            <a:spLocks noGrp="1"/>
-          </p:cNvSpPr>
-          <p:nvPr>
-            <p:ph type="title"/>
-          </p:nvPr>
-        </p:nvSpPr>
-        <p:spPr/>
-        <p:txBody>
-          <a:bodyPr/>
-          <a:lstStyle/>
-          <a:p>
-            <a:pPr algn="ctr"/>
-            <a:endParaRPr lang="pt-BR"/>
-          </a:p>
-        </p:txBody>
-      </p:sp>
-      <p:sp>
-        <p:nvSpPr>
           <p:cNvPr id="3" name="Espaço Reservado para Conteúdo 2">
             <a:extLst>
               <a:ext uri="{FF2B5EF4-FFF2-40B4-BE49-F238E27FC236}">
@@ -4132,15 +4162,28 @@
             <a:spLocks noGrp="1"/>
           </p:cNvSpPr>
           <p:nvPr>
-            <p:ph idx="1"/>
-          </p:nvPr>
-        </p:nvSpPr>
-        <p:spPr/>
-        <p:txBody>
-          <a:bodyPr/>
-          <a:lstStyle/>
-          <a:p>
-            <a:endParaRPr lang="pt-BR" dirty="0"/>
+            <p:ph type="subTitle" idx="1"/>
+          </p:nvPr>
+        </p:nvSpPr>
+        <p:spPr>
+          <a:xfrm>
+            <a:off x="1616364" y="2733820"/>
+            <a:ext cx="9144000" cy="1655762"/>
+          </a:xfrm>
+        </p:spPr>
+        <p:txBody>
+          <a:bodyPr>
+            <a:normAutofit/>
+          </a:bodyPr>
+          <a:lstStyle/>
+          <a:p>
+            <a:r>
+              <a:rPr lang="pt-BR" sz="9600" dirty="0"/>
+              <a:t>FIM </a:t>
+            </a:r>
+          </a:p>
+          <a:p>
+            <a:endParaRPr lang="pt-BR" sz="9600" dirty="0"/>
           </a:p>
         </p:txBody>
       </p:sp>
@@ -4148,87 +4191,6 @@
     <p:extLst>
       <p:ext uri="{BB962C8B-B14F-4D97-AF65-F5344CB8AC3E}">
         <p14:creationId xmlns:p14="http://schemas.microsoft.com/office/powerpoint/2010/main" val="363097398"/>
-      </p:ext>
-    </p:extLst>
-  </p:cSld>
-  <p:clrMapOvr>
-    <a:masterClrMapping/>
-  </p:clrMapOvr>
-</p:sld>
-</file>
-
-<file path=ppt/slides/slide18.xml><?xml version="1.0" encoding="utf-8"?>
-<p:sld xmlns:a="http://schemas.openxmlformats.org/drawingml/2006/main" xmlns:r="http://schemas.openxmlformats.org/officeDocument/2006/relationships" xmlns:p="http://schemas.openxmlformats.org/presentationml/2006/main">
-  <p:cSld>
-    <p:spTree>
-      <p:nvGrpSpPr>
-        <p:cNvPr id="1" name=""/>
-        <p:cNvGrpSpPr/>
-        <p:nvPr/>
-      </p:nvGrpSpPr>
-      <p:grpSpPr>
-        <a:xfrm>
-          <a:off x="0" y="0"/>
-          <a:ext cx="0" cy="0"/>
-          <a:chOff x="0" y="0"/>
-          <a:chExt cx="0" cy="0"/>
-        </a:xfrm>
-      </p:grpSpPr>
-      <p:sp>
-        <p:nvSpPr>
-          <p:cNvPr id="2" name="Título 1">
-            <a:extLst>
-              <a:ext uri="{FF2B5EF4-FFF2-40B4-BE49-F238E27FC236}">
-                <a16:creationId xmlns:a16="http://schemas.microsoft.com/office/drawing/2014/main" id="{795E44C5-E647-2A33-BE81-E39B6D749406}"/>
-              </a:ext>
-            </a:extLst>
-          </p:cNvPr>
-          <p:cNvSpPr>
-            <a:spLocks noGrp="1"/>
-          </p:cNvSpPr>
-          <p:nvPr>
-            <p:ph type="title"/>
-          </p:nvPr>
-        </p:nvSpPr>
-        <p:spPr/>
-        <p:txBody>
-          <a:bodyPr/>
-          <a:lstStyle/>
-          <a:p>
-            <a:pPr algn="ctr"/>
-            <a:endParaRPr lang="pt-BR"/>
-          </a:p>
-        </p:txBody>
-      </p:sp>
-      <p:sp>
-        <p:nvSpPr>
-          <p:cNvPr id="3" name="Espaço Reservado para Conteúdo 2">
-            <a:extLst>
-              <a:ext uri="{FF2B5EF4-FFF2-40B4-BE49-F238E27FC236}">
-                <a16:creationId xmlns:a16="http://schemas.microsoft.com/office/drawing/2014/main" id="{634725A5-C9FF-44E1-3B45-A97CA6C4F464}"/>
-              </a:ext>
-            </a:extLst>
-          </p:cNvPr>
-          <p:cNvSpPr>
-            <a:spLocks noGrp="1"/>
-          </p:cNvSpPr>
-          <p:nvPr>
-            <p:ph idx="1"/>
-          </p:nvPr>
-        </p:nvSpPr>
-        <p:spPr/>
-        <p:txBody>
-          <a:bodyPr/>
-          <a:lstStyle/>
-          <a:p>
-            <a:endParaRPr lang="pt-BR" dirty="0"/>
-          </a:p>
-        </p:txBody>
-      </p:sp>
-    </p:spTree>
-    <p:extLst>
-      <p:ext uri="{BB962C8B-B14F-4D97-AF65-F5344CB8AC3E}">
-        <p14:creationId xmlns:p14="http://schemas.microsoft.com/office/powerpoint/2010/main" val="2592820986"/>
       </p:ext>
     </p:extLst>
   </p:cSld>

--- a/Quem nos governa.pptx
+++ b/Quem nos governa.pptx
@@ -15,13 +15,14 @@
     <p:sldId id="261" r:id="rId9"/>
     <p:sldId id="269" r:id="rId10"/>
     <p:sldId id="274" r:id="rId11"/>
-    <p:sldId id="263" r:id="rId12"/>
-    <p:sldId id="257" r:id="rId13"/>
-    <p:sldId id="258" r:id="rId14"/>
-    <p:sldId id="275" r:id="rId15"/>
-    <p:sldId id="272" r:id="rId16"/>
-    <p:sldId id="267" r:id="rId17"/>
-    <p:sldId id="270" r:id="rId18"/>
+    <p:sldId id="276" r:id="rId12"/>
+    <p:sldId id="263" r:id="rId13"/>
+    <p:sldId id="257" r:id="rId14"/>
+    <p:sldId id="258" r:id="rId15"/>
+    <p:sldId id="275" r:id="rId16"/>
+    <p:sldId id="272" r:id="rId17"/>
+    <p:sldId id="267" r:id="rId18"/>
+    <p:sldId id="270" r:id="rId19"/>
   </p:sldIdLst>
   <p:sldSz cx="12192000" cy="6858000"/>
   <p:notesSz cx="6858000" cy="9144000"/>
@@ -128,12 +129,20 @@
 </p:presentation>
 </file>
 
+<file path=ppt/revisionInfo.xml><?xml version="1.0" encoding="utf-8"?>
+<p1510:revInfo xmlns:a="http://schemas.openxmlformats.org/drawingml/2006/main" xmlns:r="http://schemas.openxmlformats.org/officeDocument/2006/relationships" xmlns:p1510="http://schemas.microsoft.com/office/powerpoint/2015/10/main">
+  <p1510:revLst>
+    <p1510:client id="{13AE6CCC-AE90-45DF-9181-57C1C95249B3}" v="1" dt="2022-06-15T22:16:13.671"/>
+  </p1510:revLst>
+</p1510:revInfo>
+</file>
+
 <file path=ppt/changesInfos/changesInfo1.xml><?xml version="1.0" encoding="utf-8"?>
 <pc:chgInfo xmlns:a="http://schemas.openxmlformats.org/drawingml/2006/main" xmlns:r="http://schemas.openxmlformats.org/officeDocument/2006/relationships" xmlns:ac="http://schemas.microsoft.com/office/drawing/2013/main/command" xmlns:pc="http://schemas.microsoft.com/office/powerpoint/2013/main/command">
   <pc:docChgLst>
     <pc:chgData name="Manoel Neco" userId="1f9b2a0f60f4f340" providerId="LiveId" clId="{13AE6CCC-AE90-45DF-9181-57C1C95249B3}"/>
-    <pc:docChg chg="custSel delSld modSld">
-      <pc:chgData name="Manoel Neco" userId="1f9b2a0f60f4f340" providerId="LiveId" clId="{13AE6CCC-AE90-45DF-9181-57C1C95249B3}" dt="2022-06-15T21:52:34.984" v="26" actId="47"/>
+    <pc:docChg chg="custSel addSld delSld modSld sldOrd">
+      <pc:chgData name="Manoel Neco" userId="1f9b2a0f60f4f340" providerId="LiveId" clId="{13AE6CCC-AE90-45DF-9181-57C1C95249B3}" dt="2022-06-15T22:16:37.982" v="128" actId="313"/>
       <pc:docMkLst>
         <pc:docMk/>
       </pc:docMkLst>
@@ -174,6 +183,44 @@
           <pc:docMk/>
           <pc:sldMk cId="2592820986" sldId="271"/>
         </pc:sldMkLst>
+      </pc:sldChg>
+      <pc:sldChg chg="modSp mod">
+        <pc:chgData name="Manoel Neco" userId="1f9b2a0f60f4f340" providerId="LiveId" clId="{13AE6CCC-AE90-45DF-9181-57C1C95249B3}" dt="2022-06-15T22:05:46.999" v="29" actId="20577"/>
+        <pc:sldMkLst>
+          <pc:docMk/>
+          <pc:sldMk cId="772454958" sldId="272"/>
+        </pc:sldMkLst>
+        <pc:spChg chg="mod">
+          <ac:chgData name="Manoel Neco" userId="1f9b2a0f60f4f340" providerId="LiveId" clId="{13AE6CCC-AE90-45DF-9181-57C1C95249B3}" dt="2022-06-15T22:05:46.999" v="29" actId="20577"/>
+          <ac:spMkLst>
+            <pc:docMk/>
+            <pc:sldMk cId="772454958" sldId="272"/>
+            <ac:spMk id="2" creationId="{795E44C5-E647-2A33-BE81-E39B6D749406}"/>
+          </ac:spMkLst>
+        </pc:spChg>
+      </pc:sldChg>
+      <pc:sldChg chg="modSp add mod ord">
+        <pc:chgData name="Manoel Neco" userId="1f9b2a0f60f4f340" providerId="LiveId" clId="{13AE6CCC-AE90-45DF-9181-57C1C95249B3}" dt="2022-06-15T22:16:37.982" v="128" actId="313"/>
+        <pc:sldMkLst>
+          <pc:docMk/>
+          <pc:sldMk cId="1221156879" sldId="276"/>
+        </pc:sldMkLst>
+        <pc:spChg chg="mod">
+          <ac:chgData name="Manoel Neco" userId="1f9b2a0f60f4f340" providerId="LiveId" clId="{13AE6CCC-AE90-45DF-9181-57C1C95249B3}" dt="2022-06-15T22:16:18.652" v="41" actId="20577"/>
+          <ac:spMkLst>
+            <pc:docMk/>
+            <pc:sldMk cId="1221156879" sldId="276"/>
+            <ac:spMk id="2" creationId="{795E44C5-E647-2A33-BE81-E39B6D749406}"/>
+          </ac:spMkLst>
+        </pc:spChg>
+        <pc:spChg chg="mod">
+          <ac:chgData name="Manoel Neco" userId="1f9b2a0f60f4f340" providerId="LiveId" clId="{13AE6CCC-AE90-45DF-9181-57C1C95249B3}" dt="2022-06-15T22:16:37.982" v="128" actId="313"/>
+          <ac:spMkLst>
+            <pc:docMk/>
+            <pc:sldMk cId="1221156879" sldId="276"/>
+            <ac:spMk id="3" creationId="{634725A5-C9FF-44E1-3B45-A97CA6C4F464}"/>
+          </ac:spMkLst>
+        </pc:spChg>
       </pc:sldChg>
     </pc:docChg>
   </pc:docChgLst>
@@ -3591,6 +3638,98 @@
             <a:pPr algn="ctr"/>
             <a:r>
               <a:rPr lang="pt-BR" dirty="0"/>
+              <a:t>Agostinho</a:t>
+            </a:r>
+          </a:p>
+        </p:txBody>
+      </p:sp>
+      <p:sp>
+        <p:nvSpPr>
+          <p:cNvPr id="3" name="Espaço Reservado para Conteúdo 2">
+            <a:extLst>
+              <a:ext uri="{FF2B5EF4-FFF2-40B4-BE49-F238E27FC236}">
+                <a16:creationId xmlns:a16="http://schemas.microsoft.com/office/drawing/2014/main" id="{634725A5-C9FF-44E1-3B45-A97CA6C4F464}"/>
+              </a:ext>
+            </a:extLst>
+          </p:cNvPr>
+          <p:cNvSpPr>
+            <a:spLocks noGrp="1"/>
+          </p:cNvSpPr>
+          <p:nvPr>
+            <p:ph idx="1"/>
+          </p:nvPr>
+        </p:nvSpPr>
+        <p:spPr/>
+        <p:txBody>
+          <a:bodyPr/>
+          <a:lstStyle/>
+          <a:p>
+            <a:r>
+              <a:rPr lang="pt-BR" dirty="0"/>
+              <a:t>“Jesus, é difícil te seguir, mas </a:t>
+            </a:r>
+            <a:r>
+              <a:rPr lang="pt-BR"/>
+              <a:t>é impossível te deixar”</a:t>
+            </a:r>
+            <a:endParaRPr lang="pt-BR" dirty="0"/>
+          </a:p>
+        </p:txBody>
+      </p:sp>
+    </p:spTree>
+    <p:extLst>
+      <p:ext uri="{BB962C8B-B14F-4D97-AF65-F5344CB8AC3E}">
+        <p14:creationId xmlns:p14="http://schemas.microsoft.com/office/powerpoint/2010/main" val="1221156879"/>
+      </p:ext>
+    </p:extLst>
+  </p:cSld>
+  <p:clrMapOvr>
+    <a:masterClrMapping/>
+  </p:clrMapOvr>
+</p:sld>
+</file>
+
+<file path=ppt/slides/slide12.xml><?xml version="1.0" encoding="utf-8"?>
+<p:sld xmlns:a="http://schemas.openxmlformats.org/drawingml/2006/main" xmlns:r="http://schemas.openxmlformats.org/officeDocument/2006/relationships" xmlns:p="http://schemas.openxmlformats.org/presentationml/2006/main">
+  <p:cSld>
+    <p:spTree>
+      <p:nvGrpSpPr>
+        <p:cNvPr id="1" name=""/>
+        <p:cNvGrpSpPr/>
+        <p:nvPr/>
+      </p:nvGrpSpPr>
+      <p:grpSpPr>
+        <a:xfrm>
+          <a:off x="0" y="0"/>
+          <a:ext cx="0" cy="0"/>
+          <a:chOff x="0" y="0"/>
+          <a:chExt cx="0" cy="0"/>
+        </a:xfrm>
+      </p:grpSpPr>
+      <p:sp>
+        <p:nvSpPr>
+          <p:cNvPr id="2" name="Título 1">
+            <a:extLst>
+              <a:ext uri="{FF2B5EF4-FFF2-40B4-BE49-F238E27FC236}">
+                <a16:creationId xmlns:a16="http://schemas.microsoft.com/office/drawing/2014/main" id="{795E44C5-E647-2A33-BE81-E39B6D749406}"/>
+              </a:ext>
+            </a:extLst>
+          </p:cNvPr>
+          <p:cNvSpPr>
+            <a:spLocks noGrp="1"/>
+          </p:cNvSpPr>
+          <p:nvPr>
+            <p:ph type="title"/>
+          </p:nvPr>
+        </p:nvSpPr>
+        <p:spPr/>
+        <p:txBody>
+          <a:bodyPr/>
+          <a:lstStyle/>
+          <a:p>
+            <a:pPr algn="ctr"/>
+            <a:r>
+              <a:rPr lang="pt-BR" dirty="0"/>
               <a:t>Mateus 19:16-22</a:t>
             </a:r>
           </a:p>
@@ -3638,99 +3777,6 @@
 </p:sld>
 </file>
 
-<file path=ppt/slides/slide12.xml><?xml version="1.0" encoding="utf-8"?>
-<p:sld xmlns:a="http://schemas.openxmlformats.org/drawingml/2006/main" xmlns:r="http://schemas.openxmlformats.org/officeDocument/2006/relationships" xmlns:p="http://schemas.openxmlformats.org/presentationml/2006/main">
-  <p:cSld>
-    <p:spTree>
-      <p:nvGrpSpPr>
-        <p:cNvPr id="1" name=""/>
-        <p:cNvGrpSpPr/>
-        <p:nvPr/>
-      </p:nvGrpSpPr>
-      <p:grpSpPr>
-        <a:xfrm>
-          <a:off x="0" y="0"/>
-          <a:ext cx="0" cy="0"/>
-          <a:chOff x="0" y="0"/>
-          <a:chExt cx="0" cy="0"/>
-        </a:xfrm>
-      </p:grpSpPr>
-      <p:sp>
-        <p:nvSpPr>
-          <p:cNvPr id="2" name="Título 1">
-            <a:extLst>
-              <a:ext uri="{FF2B5EF4-FFF2-40B4-BE49-F238E27FC236}">
-                <a16:creationId xmlns:a16="http://schemas.microsoft.com/office/drawing/2014/main" id="{795E44C5-E647-2A33-BE81-E39B6D749406}"/>
-              </a:ext>
-            </a:extLst>
-          </p:cNvPr>
-          <p:cNvSpPr>
-            <a:spLocks noGrp="1"/>
-          </p:cNvSpPr>
-          <p:nvPr>
-            <p:ph type="title"/>
-          </p:nvPr>
-        </p:nvSpPr>
-        <p:spPr/>
-        <p:txBody>
-          <a:bodyPr/>
-          <a:lstStyle/>
-          <a:p>
-            <a:pPr algn="ctr"/>
-            <a:endParaRPr lang="pt-BR" dirty="0"/>
-          </a:p>
-        </p:txBody>
-      </p:sp>
-      <p:sp>
-        <p:nvSpPr>
-          <p:cNvPr id="3" name="Espaço Reservado para Conteúdo 2">
-            <a:extLst>
-              <a:ext uri="{FF2B5EF4-FFF2-40B4-BE49-F238E27FC236}">
-                <a16:creationId xmlns:a16="http://schemas.microsoft.com/office/drawing/2014/main" id="{634725A5-C9FF-44E1-3B45-A97CA6C4F464}"/>
-              </a:ext>
-            </a:extLst>
-          </p:cNvPr>
-          <p:cNvSpPr>
-            <a:spLocks noGrp="1"/>
-          </p:cNvSpPr>
-          <p:nvPr>
-            <p:ph idx="1"/>
-          </p:nvPr>
-        </p:nvSpPr>
-        <p:spPr/>
-        <p:txBody>
-          <a:bodyPr/>
-          <a:lstStyle/>
-          <a:p>
-            <a:r>
-              <a:rPr lang="pt-BR" dirty="0"/>
-              <a:t>O jovem inicia a conversa com o desejo de ganhar mas descobre ao final que tem q perder;</a:t>
-            </a:r>
-          </a:p>
-          <a:p>
-            <a:endParaRPr lang="pt-BR" dirty="0"/>
-          </a:p>
-          <a:p>
-            <a:r>
-              <a:rPr lang="pt-BR" dirty="0"/>
-              <a:t>Então sai triste porque o evangelho que é bom eu só ganho;</a:t>
-            </a:r>
-          </a:p>
-        </p:txBody>
-      </p:sp>
-    </p:spTree>
-    <p:extLst>
-      <p:ext uri="{BB962C8B-B14F-4D97-AF65-F5344CB8AC3E}">
-        <p14:creationId xmlns:p14="http://schemas.microsoft.com/office/powerpoint/2010/main" val="3878563955"/>
-      </p:ext>
-    </p:extLst>
-  </p:cSld>
-  <p:clrMapOvr>
-    <a:masterClrMapping/>
-  </p:clrMapOvr>
-</p:sld>
-</file>
-
 <file path=ppt/slides/slide13.xml><?xml version="1.0" encoding="utf-8"?>
 <p:sld xmlns:a="http://schemas.openxmlformats.org/drawingml/2006/main" xmlns:r="http://schemas.openxmlformats.org/officeDocument/2006/relationships" xmlns:p="http://schemas.openxmlformats.org/presentationml/2006/main">
   <p:cSld>
@@ -3770,7 +3816,7 @@
           <a:lstStyle/>
           <a:p>
             <a:pPr algn="ctr"/>
-            <a:endParaRPr lang="pt-BR"/>
+            <a:endParaRPr lang="pt-BR" dirty="0"/>
           </a:p>
         </p:txBody>
       </p:sp>
@@ -3797,7 +3843,7 @@
           <a:p>
             <a:r>
               <a:rPr lang="pt-BR" dirty="0"/>
-              <a:t>O jovem demonstra coerência pois vai embora;</a:t>
+              <a:t>O jovem inicia a conversa com o desejo de ganhar mas descobre ao final que tem q perder;</a:t>
             </a:r>
           </a:p>
           <a:p>
@@ -3806,32 +3852,15 @@
           <a:p>
             <a:r>
               <a:rPr lang="pt-BR" dirty="0"/>
-              <a:t>Qual significado?</a:t>
-            </a:r>
-          </a:p>
-          <a:p>
-            <a:pPr lvl="1"/>
-            <a:r>
-              <a:rPr lang="pt-BR" dirty="0"/>
-              <a:t>Não posso ser hipócrita;</a:t>
-            </a:r>
-          </a:p>
-          <a:p>
-            <a:pPr lvl="1"/>
-            <a:r>
-              <a:rPr lang="pt-BR" dirty="0"/>
-              <a:t>Seu eu ficar vou ter que mudar;</a:t>
-            </a:r>
-          </a:p>
-          <a:p>
-            <a:endParaRPr lang="pt-BR" dirty="0"/>
+              <a:t>Então sai triste porque o evangelho que é bom eu só ganho;</a:t>
+            </a:r>
           </a:p>
         </p:txBody>
       </p:sp>
     </p:spTree>
     <p:extLst>
       <p:ext uri="{BB962C8B-B14F-4D97-AF65-F5344CB8AC3E}">
-        <p14:creationId xmlns:p14="http://schemas.microsoft.com/office/powerpoint/2010/main" val="4262698915"/>
+        <p14:creationId xmlns:p14="http://schemas.microsoft.com/office/powerpoint/2010/main" val="3878563955"/>
       </p:ext>
     </p:extLst>
   </p:cSld>
@@ -3860,68 +3889,88 @@
       </p:grpSpPr>
       <p:sp>
         <p:nvSpPr>
-          <p:cNvPr id="4" name="Título 3">
-            <a:extLst>
-              <a:ext uri="{FF2B5EF4-FFF2-40B4-BE49-F238E27FC236}">
-                <a16:creationId xmlns:a16="http://schemas.microsoft.com/office/drawing/2014/main" id="{6510CF94-DA18-DDF0-8AEC-265CF8BF370E}"/>
-              </a:ext>
-            </a:extLst>
-          </p:cNvPr>
-          <p:cNvSpPr>
-            <a:spLocks noGrp="1"/>
-          </p:cNvSpPr>
-          <p:nvPr>
-            <p:ph type="ctrTitle"/>
-          </p:nvPr>
-        </p:nvSpPr>
-        <p:spPr/>
-        <p:txBody>
-          <a:bodyPr/>
-          <a:lstStyle/>
-          <a:p>
-            <a:r>
-              <a:rPr lang="pt-BR" dirty="0"/>
-              <a:t>Governo do </a:t>
-            </a:r>
-            <a:br>
-              <a:rPr lang="pt-BR" dirty="0"/>
-            </a:br>
-            <a:r>
-              <a:rPr lang="pt-BR" dirty="0"/>
-              <a:t>Espirito Santo</a:t>
-            </a:r>
-          </a:p>
-        </p:txBody>
-      </p:sp>
-      <p:sp>
-        <p:nvSpPr>
-          <p:cNvPr id="5" name="Subtítulo 4">
-            <a:extLst>
-              <a:ext uri="{FF2B5EF4-FFF2-40B4-BE49-F238E27FC236}">
-                <a16:creationId xmlns:a16="http://schemas.microsoft.com/office/drawing/2014/main" id="{C6386A56-F4F3-E46E-4AA3-E4DA39716A13}"/>
-              </a:ext>
-            </a:extLst>
-          </p:cNvPr>
-          <p:cNvSpPr>
-            <a:spLocks noGrp="1"/>
-          </p:cNvSpPr>
-          <p:nvPr>
-            <p:ph type="subTitle" idx="1"/>
-          </p:nvPr>
-        </p:nvSpPr>
-        <p:spPr/>
-        <p:txBody>
-          <a:bodyPr/>
-          <a:lstStyle/>
-          <a:p>
+          <p:cNvPr id="2" name="Título 1">
+            <a:extLst>
+              <a:ext uri="{FF2B5EF4-FFF2-40B4-BE49-F238E27FC236}">
+                <a16:creationId xmlns:a16="http://schemas.microsoft.com/office/drawing/2014/main" id="{795E44C5-E647-2A33-BE81-E39B6D749406}"/>
+              </a:ext>
+            </a:extLst>
+          </p:cNvPr>
+          <p:cNvSpPr>
+            <a:spLocks noGrp="1"/>
+          </p:cNvSpPr>
+          <p:nvPr>
+            <p:ph type="title"/>
+          </p:nvPr>
+        </p:nvSpPr>
+        <p:spPr/>
+        <p:txBody>
+          <a:bodyPr/>
+          <a:lstStyle/>
+          <a:p>
+            <a:pPr algn="ctr"/>
             <a:endParaRPr lang="pt-BR"/>
+          </a:p>
+        </p:txBody>
+      </p:sp>
+      <p:sp>
+        <p:nvSpPr>
+          <p:cNvPr id="3" name="Espaço Reservado para Conteúdo 2">
+            <a:extLst>
+              <a:ext uri="{FF2B5EF4-FFF2-40B4-BE49-F238E27FC236}">
+                <a16:creationId xmlns:a16="http://schemas.microsoft.com/office/drawing/2014/main" id="{634725A5-C9FF-44E1-3B45-A97CA6C4F464}"/>
+              </a:ext>
+            </a:extLst>
+          </p:cNvPr>
+          <p:cNvSpPr>
+            <a:spLocks noGrp="1"/>
+          </p:cNvSpPr>
+          <p:nvPr>
+            <p:ph idx="1"/>
+          </p:nvPr>
+        </p:nvSpPr>
+        <p:spPr/>
+        <p:txBody>
+          <a:bodyPr/>
+          <a:lstStyle/>
+          <a:p>
+            <a:r>
+              <a:rPr lang="pt-BR" dirty="0"/>
+              <a:t>O jovem demonstra coerência pois vai embora;</a:t>
+            </a:r>
+          </a:p>
+          <a:p>
+            <a:endParaRPr lang="pt-BR" dirty="0"/>
+          </a:p>
+          <a:p>
+            <a:r>
+              <a:rPr lang="pt-BR" dirty="0"/>
+              <a:t>Qual significado?</a:t>
+            </a:r>
+          </a:p>
+          <a:p>
+            <a:pPr lvl="1"/>
+            <a:r>
+              <a:rPr lang="pt-BR" dirty="0"/>
+              <a:t>Não posso ser hipócrita;</a:t>
+            </a:r>
+          </a:p>
+          <a:p>
+            <a:pPr lvl="1"/>
+            <a:r>
+              <a:rPr lang="pt-BR" dirty="0"/>
+              <a:t>Seu eu ficar vou ter que mudar;</a:t>
+            </a:r>
+          </a:p>
+          <a:p>
+            <a:endParaRPr lang="pt-BR" dirty="0"/>
           </a:p>
         </p:txBody>
       </p:sp>
     </p:spTree>
     <p:extLst>
       <p:ext uri="{BB962C8B-B14F-4D97-AF65-F5344CB8AC3E}">
-        <p14:creationId xmlns:p14="http://schemas.microsoft.com/office/powerpoint/2010/main" val="1843225603"/>
+        <p14:creationId xmlns:p14="http://schemas.microsoft.com/office/powerpoint/2010/main" val="4262698915"/>
       </p:ext>
     </p:extLst>
   </p:cSld>
@@ -3950,6 +3999,96 @@
       </p:grpSpPr>
       <p:sp>
         <p:nvSpPr>
+          <p:cNvPr id="4" name="Título 3">
+            <a:extLst>
+              <a:ext uri="{FF2B5EF4-FFF2-40B4-BE49-F238E27FC236}">
+                <a16:creationId xmlns:a16="http://schemas.microsoft.com/office/drawing/2014/main" id="{6510CF94-DA18-DDF0-8AEC-265CF8BF370E}"/>
+              </a:ext>
+            </a:extLst>
+          </p:cNvPr>
+          <p:cNvSpPr>
+            <a:spLocks noGrp="1"/>
+          </p:cNvSpPr>
+          <p:nvPr>
+            <p:ph type="ctrTitle"/>
+          </p:nvPr>
+        </p:nvSpPr>
+        <p:spPr/>
+        <p:txBody>
+          <a:bodyPr/>
+          <a:lstStyle/>
+          <a:p>
+            <a:r>
+              <a:rPr lang="pt-BR" dirty="0"/>
+              <a:t>Governo do </a:t>
+            </a:r>
+            <a:br>
+              <a:rPr lang="pt-BR" dirty="0"/>
+            </a:br>
+            <a:r>
+              <a:rPr lang="pt-BR" dirty="0"/>
+              <a:t>Espirito Santo</a:t>
+            </a:r>
+          </a:p>
+        </p:txBody>
+      </p:sp>
+      <p:sp>
+        <p:nvSpPr>
+          <p:cNvPr id="5" name="Subtítulo 4">
+            <a:extLst>
+              <a:ext uri="{FF2B5EF4-FFF2-40B4-BE49-F238E27FC236}">
+                <a16:creationId xmlns:a16="http://schemas.microsoft.com/office/drawing/2014/main" id="{C6386A56-F4F3-E46E-4AA3-E4DA39716A13}"/>
+              </a:ext>
+            </a:extLst>
+          </p:cNvPr>
+          <p:cNvSpPr>
+            <a:spLocks noGrp="1"/>
+          </p:cNvSpPr>
+          <p:nvPr>
+            <p:ph type="subTitle" idx="1"/>
+          </p:nvPr>
+        </p:nvSpPr>
+        <p:spPr/>
+        <p:txBody>
+          <a:bodyPr/>
+          <a:lstStyle/>
+          <a:p>
+            <a:endParaRPr lang="pt-BR"/>
+          </a:p>
+        </p:txBody>
+      </p:sp>
+    </p:spTree>
+    <p:extLst>
+      <p:ext uri="{BB962C8B-B14F-4D97-AF65-F5344CB8AC3E}">
+        <p14:creationId xmlns:p14="http://schemas.microsoft.com/office/powerpoint/2010/main" val="1843225603"/>
+      </p:ext>
+    </p:extLst>
+  </p:cSld>
+  <p:clrMapOvr>
+    <a:masterClrMapping/>
+  </p:clrMapOvr>
+</p:sld>
+</file>
+
+<file path=ppt/slides/slide16.xml><?xml version="1.0" encoding="utf-8"?>
+<p:sld xmlns:a="http://schemas.openxmlformats.org/drawingml/2006/main" xmlns:r="http://schemas.openxmlformats.org/officeDocument/2006/relationships" xmlns:p="http://schemas.openxmlformats.org/presentationml/2006/main">
+  <p:cSld>
+    <p:spTree>
+      <p:nvGrpSpPr>
+        <p:cNvPr id="1" name=""/>
+        <p:cNvGrpSpPr/>
+        <p:nvPr/>
+      </p:nvGrpSpPr>
+      <p:grpSpPr>
+        <a:xfrm>
+          <a:off x="0" y="0"/>
+          <a:ext cx="0" cy="0"/>
+          <a:chOff x="0" y="0"/>
+          <a:chExt cx="0" cy="0"/>
+        </a:xfrm>
+      </p:grpSpPr>
+      <p:sp>
+        <p:nvSpPr>
           <p:cNvPr id="2" name="Título 1">
             <a:extLst>
               <a:ext uri="{FF2B5EF4-FFF2-40B4-BE49-F238E27FC236}">
@@ -3972,7 +4111,7 @@
             <a:pPr algn="ctr"/>
             <a:r>
               <a:rPr lang="pt-BR" dirty="0"/>
-              <a:t>Gálatas 5:22</a:t>
+              <a:t>Gálatas 5:22-25</a:t>
             </a:r>
           </a:p>
         </p:txBody>
@@ -4019,7 +4158,7 @@
 </p:sld>
 </file>
 
-<file path=ppt/slides/slide16.xml><?xml version="1.0" encoding="utf-8"?>
+<file path=ppt/slides/slide17.xml><?xml version="1.0" encoding="utf-8"?>
 <p:sld xmlns:a="http://schemas.openxmlformats.org/drawingml/2006/main" xmlns:r="http://schemas.openxmlformats.org/officeDocument/2006/relationships" xmlns:p="http://schemas.openxmlformats.org/presentationml/2006/main">
   <p:cSld>
     <p:spTree>
@@ -4132,7 +4271,7 @@
 </p:sld>
 </file>
 
-<file path=ppt/slides/slide17.xml><?xml version="1.0" encoding="utf-8"?>
+<file path=ppt/slides/slide18.xml><?xml version="1.0" encoding="utf-8"?>
 <p:sld xmlns:a="http://schemas.openxmlformats.org/drawingml/2006/main" xmlns:r="http://schemas.openxmlformats.org/officeDocument/2006/relationships" xmlns:p="http://schemas.openxmlformats.org/presentationml/2006/main">
   <p:cSld>
     <p:spTree>
